--- a/ppt/Presentation AnwSys HA01_3.pptx
+++ b/ppt/Presentation AnwSys HA01_3.pptx
@@ -132,6 +132,10 @@
     </p:ext>
   </p:extLst>
 </p:presentation>
+</file>
+
+<file path=ppt/revisionInfo.xml><?xml version="1.0" encoding="utf-8"?>
+<p1510:revInfo xmlns:a="http://schemas.openxmlformats.org/drawingml/2006/main" xmlns:r="http://schemas.openxmlformats.org/officeDocument/2006/relationships" xmlns:p1510="http://schemas.microsoft.com/office/powerpoint/2015/10/main"/>
 </file>
 
 <file path=ppt/notesMasters/notesMaster1.xml><?xml version="1.0" encoding="utf-8"?>
@@ -6439,7 +6443,7 @@
         </p:spPr>
         <p:txBody>
           <a:bodyPr vert="horz" lIns="91440" tIns="45720" rIns="91440" bIns="45720" rtlCol="0">
-            <a:normAutofit/>
+            <a:normAutofit fontScale="85000" lnSpcReduction="10000"/>
           </a:bodyPr>
           <a:lstStyle>
             <a:lvl1pPr marL="228600" indent="-228600" algn="l" defTabSz="914400" rtl="0" eaLnBrk="1" latinLnBrk="0" hangingPunct="1">
@@ -6619,14 +6623,15 @@
             </a:pPr>
             <a:r>
               <a:rPr lang="de-DE" sz="2000" dirty="0"/>
-              <a:t>Der Design der Felder ist mit CSS gemacht: </a:t>
-            </a:r>
-            <a:br>
+              <a:t>Die Größe des Input-Feldes für die Nutzerkennung wurde außerdem durch </a:t>
+            </a:r>
+            <a:r>
+              <a:rPr lang="de-DE" sz="2000" dirty="0" err="1"/>
+              <a:t>css</a:t>
+            </a:r>
+            <a:r>
               <a:rPr lang="de-DE" sz="2000" dirty="0"/>
-            </a:br>
-            <a:r>
-              <a:rPr lang="de-DE" sz="2000" dirty="0"/>
-              <a:t>(Höhe und Breite des Feldes)</a:t>
+              <a:t> verändert.</a:t>
             </a:r>
           </a:p>
           <a:p>
